--- a/Presentacion_TFM.pptx
+++ b/Presentacion_TFM.pptx
@@ -14,8 +14,11 @@
     <p:sldId id="266" r:id="rId8"/>
     <p:sldId id="267" r:id="rId9"/>
     <p:sldId id="268" r:id="rId10"/>
-    <p:sldId id="269" r:id="rId11"/>
-    <p:sldId id="270" r:id="rId12"/>
+    <p:sldId id="272" r:id="rId11"/>
+    <p:sldId id="269" r:id="rId12"/>
+    <p:sldId id="270" r:id="rId13"/>
+    <p:sldId id="271" r:id="rId14"/>
+    <p:sldId id="273" r:id="rId15"/>
   </p:sldIdLst>
   <p:sldSz cx="12192000" cy="6858000"/>
   <p:notesSz cx="6858000" cy="9144000"/>
@@ -114,6 +117,11 @@
       </a:defRPr>
     </a:lvl9pPr>
   </p:defaultTextStyle>
+  <p:extLst>
+    <p:ext uri="{EFAFB233-063F-42B5-8137-9DF3F51BA10A}">
+      <p15:sldGuideLst xmlns:p15="http://schemas.microsoft.com/office/powerpoint/2012/main"/>
+    </p:ext>
+  </p:extLst>
 </p:presentation>
 </file>
 
@@ -840,7 +848,7 @@
             <a:fld id="{B61BEF0D-F0BB-DE4B-95CE-6DB70DBA9567}" type="datetimeFigureOut">
               <a:rPr lang="en-US" dirty="0"/>
               <a:pPr/>
-              <a:t>1/5/2021</a:t>
+              <a:t>1/7/2021</a:t>
             </a:fld>
             <a:endParaRPr lang="en-US" dirty="0"/>
           </a:p>
@@ -1088,7 +1096,7 @@
             <a:fld id="{B61BEF0D-F0BB-DE4B-95CE-6DB70DBA9567}" type="datetimeFigureOut">
               <a:rPr lang="en-US" dirty="0"/>
               <a:pPr/>
-              <a:t>1/5/2021</a:t>
+              <a:t>1/7/2021</a:t>
             </a:fld>
             <a:endParaRPr lang="en-US" dirty="0"/>
           </a:p>
@@ -1399,7 +1407,7 @@
             <a:fld id="{B61BEF0D-F0BB-DE4B-95CE-6DB70DBA9567}" type="datetimeFigureOut">
               <a:rPr lang="en-US" dirty="0"/>
               <a:pPr/>
-              <a:t>1/5/2021</a:t>
+              <a:t>1/7/2021</a:t>
             </a:fld>
             <a:endParaRPr lang="en-US" dirty="0"/>
           </a:p>
@@ -1737,7 +1745,7 @@
             <a:fld id="{B61BEF0D-F0BB-DE4B-95CE-6DB70DBA9567}" type="datetimeFigureOut">
               <a:rPr lang="en-US" dirty="0"/>
               <a:pPr/>
-              <a:t>1/5/2021</a:t>
+              <a:t>1/7/2021</a:t>
             </a:fld>
             <a:endParaRPr lang="en-US" dirty="0"/>
           </a:p>
@@ -2048,7 +2056,7 @@
             <a:fld id="{B61BEF0D-F0BB-DE4B-95CE-6DB70DBA9567}" type="datetimeFigureOut">
               <a:rPr lang="en-US" dirty="0"/>
               <a:pPr/>
-              <a:t>1/5/2021</a:t>
+              <a:t>1/7/2021</a:t>
             </a:fld>
             <a:endParaRPr lang="en-US" dirty="0"/>
           </a:p>
@@ -2438,7 +2446,7 @@
             <a:fld id="{B61BEF0D-F0BB-DE4B-95CE-6DB70DBA9567}" type="datetimeFigureOut">
               <a:rPr lang="en-US" dirty="0"/>
               <a:pPr/>
-              <a:t>1/5/2021</a:t>
+              <a:t>1/7/2021</a:t>
             </a:fld>
             <a:endParaRPr lang="en-US" dirty="0"/>
           </a:p>
@@ -2604,7 +2612,7 @@
           <a:p>
             <a:fld id="{55C6B4A9-1611-4792-9094-5F34BCA07E0B}" type="datetimeFigureOut">
               <a:rPr lang="en-US" dirty="0"/>
-              <a:t>1/5/2021</a:t>
+              <a:t>1/7/2021</a:t>
             </a:fld>
             <a:endParaRPr lang="en-US" dirty="0"/>
           </a:p>
@@ -2780,7 +2788,7 @@
             <a:fld id="{B61BEF0D-F0BB-DE4B-95CE-6DB70DBA9567}" type="datetimeFigureOut">
               <a:rPr lang="en-US" dirty="0"/>
               <a:pPr/>
-              <a:t>1/5/2021</a:t>
+              <a:t>1/7/2021</a:t>
             </a:fld>
             <a:endParaRPr lang="en-US" dirty="0"/>
           </a:p>
@@ -2953,7 +2961,7 @@
             <a:fld id="{B61BEF0D-F0BB-DE4B-95CE-6DB70DBA9567}" type="datetimeFigureOut">
               <a:rPr lang="en-US" dirty="0"/>
               <a:pPr/>
-              <a:t>1/5/2021</a:t>
+              <a:t>1/7/2021</a:t>
             </a:fld>
             <a:endParaRPr lang="en-US" dirty="0"/>
           </a:p>
@@ -3197,7 +3205,7 @@
             <a:fld id="{B61BEF0D-F0BB-DE4B-95CE-6DB70DBA9567}" type="datetimeFigureOut">
               <a:rPr lang="en-US" dirty="0"/>
               <a:pPr/>
-              <a:t>1/5/2021</a:t>
+              <a:t>1/7/2021</a:t>
             </a:fld>
             <a:endParaRPr lang="en-US" dirty="0"/>
           </a:p>
@@ -3425,7 +3433,7 @@
           <a:p>
             <a:fld id="{EB712588-04B1-427B-82EE-E8DB90309F08}" type="datetimeFigureOut">
               <a:rPr lang="en-US" dirty="0"/>
-              <a:t>1/5/2021</a:t>
+              <a:t>1/7/2021</a:t>
             </a:fld>
             <a:endParaRPr lang="en-US" dirty="0"/>
           </a:p>
@@ -3795,7 +3803,7 @@
             <a:fld id="{B61BEF0D-F0BB-DE4B-95CE-6DB70DBA9567}" type="datetimeFigureOut">
               <a:rPr lang="en-US" dirty="0"/>
               <a:pPr/>
-              <a:t>1/5/2021</a:t>
+              <a:t>1/7/2021</a:t>
             </a:fld>
             <a:endParaRPr lang="en-US" dirty="0"/>
           </a:p>
@@ -3915,7 +3923,7 @@
             <a:fld id="{B61BEF0D-F0BB-DE4B-95CE-6DB70DBA9567}" type="datetimeFigureOut">
               <a:rPr lang="en-US" dirty="0"/>
               <a:pPr/>
-              <a:t>1/5/2021</a:t>
+              <a:t>1/7/2021</a:t>
             </a:fld>
             <a:endParaRPr lang="en-US" dirty="0"/>
           </a:p>
@@ -4007,7 +4015,7 @@
             <a:fld id="{B61BEF0D-F0BB-DE4B-95CE-6DB70DBA9567}" type="datetimeFigureOut">
               <a:rPr lang="en-US" dirty="0"/>
               <a:pPr/>
-              <a:t>1/5/2021</a:t>
+              <a:t>1/7/2021</a:t>
             </a:fld>
             <a:endParaRPr lang="en-US" dirty="0"/>
           </a:p>
@@ -4258,7 +4266,7 @@
           <a:p>
             <a:fld id="{42A54C80-263E-416B-A8E0-580EDEADCBDC}" type="datetimeFigureOut">
               <a:rPr lang="en-US" dirty="0"/>
-              <a:t>1/5/2021</a:t>
+              <a:t>1/7/2021</a:t>
             </a:fld>
             <a:endParaRPr lang="en-US" dirty="0"/>
           </a:p>
@@ -4517,7 +4525,7 @@
             <a:fld id="{B61BEF0D-F0BB-DE4B-95CE-6DB70DBA9567}" type="datetimeFigureOut">
               <a:rPr lang="en-US" dirty="0"/>
               <a:pPr/>
-              <a:t>1/5/2021</a:t>
+              <a:t>1/7/2021</a:t>
             </a:fld>
             <a:endParaRPr lang="en-US" dirty="0"/>
           </a:p>
@@ -5257,7 +5265,7 @@
             <a:fld id="{B61BEF0D-F0BB-DE4B-95CE-6DB70DBA9567}" type="datetimeFigureOut">
               <a:rPr lang="en-US" dirty="0"/>
               <a:pPr/>
-              <a:t>1/5/2021</a:t>
+              <a:t>1/7/2021</a:t>
             </a:fld>
             <a:endParaRPr lang="en-US" dirty="0"/>
           </a:p>
@@ -5888,6 +5896,509 @@
           <a:chExt cx="0" cy="0"/>
         </a:xfrm>
       </p:grpSpPr>
+      <p:sp>
+        <p:nvSpPr>
+          <p:cNvPr id="2" name="Título 1">
+            <a:extLst>
+              <a:ext uri="{FF2B5EF4-FFF2-40B4-BE49-F238E27FC236}">
+                <a16:creationId xmlns:a16="http://schemas.microsoft.com/office/drawing/2014/main" id="{F2839B5A-5A15-4480-BCF2-E00903429E4D}"/>
+              </a:ext>
+            </a:extLst>
+          </p:cNvPr>
+          <p:cNvSpPr>
+            <a:spLocks noGrp="1"/>
+          </p:cNvSpPr>
+          <p:nvPr>
+            <p:ph type="title"/>
+          </p:nvPr>
+        </p:nvSpPr>
+        <p:spPr>
+          <a:xfrm>
+            <a:off x="420245" y="609600"/>
+            <a:ext cx="8596668" cy="1311479"/>
+          </a:xfrm>
+        </p:spPr>
+        <p:txBody>
+          <a:bodyPr/>
+          <a:lstStyle/>
+          <a:p>
+            <a:r>
+              <a:rPr lang="es-ES" dirty="0"/>
+              <a:t>Presupuesto</a:t>
+            </a:r>
+          </a:p>
+        </p:txBody>
+      </p:sp>
+      <p:sp>
+        <p:nvSpPr>
+          <p:cNvPr id="3" name="Marcador de texto 2">
+            <a:extLst>
+              <a:ext uri="{FF2B5EF4-FFF2-40B4-BE49-F238E27FC236}">
+                <a16:creationId xmlns:a16="http://schemas.microsoft.com/office/drawing/2014/main" id="{850D023E-72A1-49AE-8169-3B3F11046534}"/>
+              </a:ext>
+            </a:extLst>
+          </p:cNvPr>
+          <p:cNvSpPr>
+            <a:spLocks noGrp="1"/>
+          </p:cNvSpPr>
+          <p:nvPr>
+            <p:ph type="body" idx="1"/>
+          </p:nvPr>
+        </p:nvSpPr>
+        <p:spPr>
+          <a:xfrm>
+            <a:off x="435285" y="1970963"/>
+            <a:ext cx="3950649" cy="4120283"/>
+          </a:xfrm>
+        </p:spPr>
+        <p:txBody>
+          <a:bodyPr anchor="t">
+            <a:normAutofit/>
+          </a:bodyPr>
+          <a:lstStyle/>
+          <a:p>
+            <a:pPr marL="285750" indent="-285750">
+              <a:buFont typeface="Arial" panose="020B0604020202020204" pitchFamily="34" charset="0"/>
+              <a:buChar char="•"/>
+            </a:pPr>
+            <a:r>
+              <a:rPr lang="es-ES" dirty="0"/>
+              <a:t>Bajo coste</a:t>
+            </a:r>
+          </a:p>
+          <a:p>
+            <a:pPr marL="285750" indent="-285750">
+              <a:buFont typeface="Arial" panose="020B0604020202020204" pitchFamily="34" charset="0"/>
+              <a:buChar char="•"/>
+            </a:pPr>
+            <a:r>
+              <a:rPr lang="es-ES" dirty="0"/>
+              <a:t>Posibilidad de gran rentabilidad</a:t>
+            </a:r>
+          </a:p>
+          <a:p>
+            <a:pPr marL="285750" indent="-285750">
+              <a:buFont typeface="Arial" panose="020B0604020202020204" pitchFamily="34" charset="0"/>
+              <a:buChar char="•"/>
+            </a:pPr>
+            <a:r>
+              <a:rPr lang="es-ES" dirty="0"/>
+              <a:t>Fácil cálculo de costes</a:t>
+            </a:r>
+          </a:p>
+          <a:p>
+            <a:pPr marL="285750" indent="-285750">
+              <a:buFont typeface="Arial" panose="020B0604020202020204" pitchFamily="34" charset="0"/>
+              <a:buChar char="•"/>
+            </a:pPr>
+            <a:r>
+              <a:rPr lang="es-ES" dirty="0"/>
+              <a:t>Posibilidad de acuerdo entre empresas</a:t>
+            </a:r>
+          </a:p>
+          <a:p>
+            <a:pPr marL="285750" indent="-285750">
+              <a:buFont typeface="Arial" panose="020B0604020202020204" pitchFamily="34" charset="0"/>
+              <a:buChar char="•"/>
+            </a:pPr>
+            <a:r>
+              <a:rPr lang="es-ES" dirty="0"/>
+              <a:t>Uso de recursos ya comprados</a:t>
+            </a:r>
+          </a:p>
+          <a:p>
+            <a:pPr marL="285750" indent="-285750">
+              <a:buFont typeface="Arial" panose="020B0604020202020204" pitchFamily="34" charset="0"/>
+              <a:buChar char="•"/>
+            </a:pPr>
+            <a:r>
+              <a:rPr lang="es-ES" dirty="0"/>
+              <a:t>Economía de escala</a:t>
+            </a:r>
+          </a:p>
+          <a:p>
+            <a:pPr marL="285750" indent="-285750">
+              <a:buFont typeface="Arial" panose="020B0604020202020204" pitchFamily="34" charset="0"/>
+              <a:buChar char="•"/>
+            </a:pPr>
+            <a:endParaRPr lang="es-ES" dirty="0"/>
+          </a:p>
+          <a:p>
+            <a:pPr marL="285750" indent="-285750">
+              <a:buFont typeface="Arial" panose="020B0604020202020204" pitchFamily="34" charset="0"/>
+              <a:buChar char="•"/>
+            </a:pPr>
+            <a:endParaRPr lang="es-ES" dirty="0"/>
+          </a:p>
+        </p:txBody>
+      </p:sp>
+      <p:sp>
+        <p:nvSpPr>
+          <p:cNvPr id="6" name="Marcador de texto 2">
+            <a:extLst>
+              <a:ext uri="{FF2B5EF4-FFF2-40B4-BE49-F238E27FC236}">
+                <a16:creationId xmlns:a16="http://schemas.microsoft.com/office/drawing/2014/main" id="{0CA58056-D40E-4BD9-9FD3-78F369C071B3}"/>
+              </a:ext>
+            </a:extLst>
+          </p:cNvPr>
+          <p:cNvSpPr txBox="1">
+            <a:spLocks/>
+          </p:cNvSpPr>
+          <p:nvPr/>
+        </p:nvSpPr>
+        <p:spPr>
+          <a:xfrm>
+            <a:off x="4975669" y="1852320"/>
+            <a:ext cx="3950649" cy="4120283"/>
+          </a:xfrm>
+          <a:prstGeom prst="rect">
+            <a:avLst/>
+          </a:prstGeom>
+        </p:spPr>
+        <p:txBody>
+          <a:bodyPr vert="horz" lIns="91440" tIns="45720" rIns="91440" bIns="45720" rtlCol="0" anchor="t">
+            <a:normAutofit/>
+          </a:bodyPr>
+          <a:lstStyle>
+            <a:lvl1pPr marL="0" indent="0" algn="l" defTabSz="457200" rtl="0" eaLnBrk="1" latinLnBrk="0" hangingPunct="1">
+              <a:spcBef>
+                <a:spcPts val="1000"/>
+              </a:spcBef>
+              <a:spcAft>
+                <a:spcPts val="0"/>
+              </a:spcAft>
+              <a:buClr>
+                <a:schemeClr val="accent1"/>
+              </a:buClr>
+              <a:buSzPct val="80000"/>
+              <a:buFont typeface="Wingdings 3" charset="2"/>
+              <a:buNone/>
+              <a:defRPr sz="1800" kern="1200">
+                <a:solidFill>
+                  <a:schemeClr val="tx1">
+                    <a:lumMod val="75000"/>
+                    <a:lumOff val="25000"/>
+                  </a:schemeClr>
+                </a:solidFill>
+                <a:latin typeface="+mn-lt"/>
+                <a:ea typeface="+mn-ea"/>
+                <a:cs typeface="+mn-cs"/>
+              </a:defRPr>
+            </a:lvl1pPr>
+            <a:lvl2pPr marL="457200" indent="0" algn="l" defTabSz="457200" rtl="0" eaLnBrk="1" latinLnBrk="0" hangingPunct="1">
+              <a:spcBef>
+                <a:spcPts val="1000"/>
+              </a:spcBef>
+              <a:spcAft>
+                <a:spcPts val="0"/>
+              </a:spcAft>
+              <a:buClr>
+                <a:schemeClr val="accent1"/>
+              </a:buClr>
+              <a:buSzPct val="80000"/>
+              <a:buFont typeface="Wingdings 3" charset="2"/>
+              <a:buNone/>
+              <a:defRPr sz="1800" kern="1200">
+                <a:solidFill>
+                  <a:schemeClr val="tx1">
+                    <a:tint val="75000"/>
+                  </a:schemeClr>
+                </a:solidFill>
+                <a:latin typeface="+mn-lt"/>
+                <a:ea typeface="+mn-ea"/>
+                <a:cs typeface="+mn-cs"/>
+              </a:defRPr>
+            </a:lvl2pPr>
+            <a:lvl3pPr marL="914400" indent="0" algn="l" defTabSz="457200" rtl="0" eaLnBrk="1" latinLnBrk="0" hangingPunct="1">
+              <a:spcBef>
+                <a:spcPts val="1000"/>
+              </a:spcBef>
+              <a:spcAft>
+                <a:spcPts val="0"/>
+              </a:spcAft>
+              <a:buClr>
+                <a:schemeClr val="accent1"/>
+              </a:buClr>
+              <a:buSzPct val="80000"/>
+              <a:buFont typeface="Wingdings 3" charset="2"/>
+              <a:buNone/>
+              <a:defRPr sz="1600" kern="1200">
+                <a:solidFill>
+                  <a:schemeClr val="tx1">
+                    <a:tint val="75000"/>
+                  </a:schemeClr>
+                </a:solidFill>
+                <a:latin typeface="+mn-lt"/>
+                <a:ea typeface="+mn-ea"/>
+                <a:cs typeface="+mn-cs"/>
+              </a:defRPr>
+            </a:lvl3pPr>
+            <a:lvl4pPr marL="1371600" indent="0" algn="l" defTabSz="457200" rtl="0" eaLnBrk="1" latinLnBrk="0" hangingPunct="1">
+              <a:spcBef>
+                <a:spcPts val="1000"/>
+              </a:spcBef>
+              <a:spcAft>
+                <a:spcPts val="0"/>
+              </a:spcAft>
+              <a:buClr>
+                <a:schemeClr val="accent1"/>
+              </a:buClr>
+              <a:buSzPct val="80000"/>
+              <a:buFont typeface="Wingdings 3" charset="2"/>
+              <a:buNone/>
+              <a:defRPr sz="1400" kern="1200">
+                <a:solidFill>
+                  <a:schemeClr val="tx1">
+                    <a:tint val="75000"/>
+                  </a:schemeClr>
+                </a:solidFill>
+                <a:latin typeface="+mn-lt"/>
+                <a:ea typeface="+mn-ea"/>
+                <a:cs typeface="+mn-cs"/>
+              </a:defRPr>
+            </a:lvl4pPr>
+            <a:lvl5pPr marL="1828800" indent="0" algn="l" defTabSz="457200" rtl="0" eaLnBrk="1" latinLnBrk="0" hangingPunct="1">
+              <a:spcBef>
+                <a:spcPts val="1000"/>
+              </a:spcBef>
+              <a:spcAft>
+                <a:spcPts val="0"/>
+              </a:spcAft>
+              <a:buClr>
+                <a:schemeClr val="accent1"/>
+              </a:buClr>
+              <a:buSzPct val="80000"/>
+              <a:buFont typeface="Wingdings 3" charset="2"/>
+              <a:buNone/>
+              <a:defRPr sz="1400" kern="1200">
+                <a:solidFill>
+                  <a:schemeClr val="tx1">
+                    <a:tint val="75000"/>
+                  </a:schemeClr>
+                </a:solidFill>
+                <a:latin typeface="+mn-lt"/>
+                <a:ea typeface="+mn-ea"/>
+                <a:cs typeface="+mn-cs"/>
+              </a:defRPr>
+            </a:lvl5pPr>
+            <a:lvl6pPr marL="2286000" indent="0" algn="l" defTabSz="457200" rtl="0" eaLnBrk="1" latinLnBrk="0" hangingPunct="1">
+              <a:spcBef>
+                <a:spcPts val="1000"/>
+              </a:spcBef>
+              <a:spcAft>
+                <a:spcPts val="0"/>
+              </a:spcAft>
+              <a:buClr>
+                <a:schemeClr val="accent1"/>
+              </a:buClr>
+              <a:buSzPct val="80000"/>
+              <a:buFont typeface="Wingdings 3" charset="2"/>
+              <a:buNone/>
+              <a:defRPr sz="1400" kern="1200">
+                <a:solidFill>
+                  <a:schemeClr val="tx1">
+                    <a:tint val="75000"/>
+                  </a:schemeClr>
+                </a:solidFill>
+                <a:latin typeface="+mn-lt"/>
+                <a:ea typeface="+mn-ea"/>
+                <a:cs typeface="+mn-cs"/>
+              </a:defRPr>
+            </a:lvl6pPr>
+            <a:lvl7pPr marL="2743200" indent="0" algn="l" defTabSz="457200" rtl="0" eaLnBrk="1" latinLnBrk="0" hangingPunct="1">
+              <a:spcBef>
+                <a:spcPts val="1000"/>
+              </a:spcBef>
+              <a:spcAft>
+                <a:spcPts val="0"/>
+              </a:spcAft>
+              <a:buClr>
+                <a:schemeClr val="accent1"/>
+              </a:buClr>
+              <a:buSzPct val="80000"/>
+              <a:buFont typeface="Wingdings 3" charset="2"/>
+              <a:buNone/>
+              <a:defRPr sz="1400" kern="1200">
+                <a:solidFill>
+                  <a:schemeClr val="tx1">
+                    <a:tint val="75000"/>
+                  </a:schemeClr>
+                </a:solidFill>
+                <a:latin typeface="+mn-lt"/>
+                <a:ea typeface="+mn-ea"/>
+                <a:cs typeface="+mn-cs"/>
+              </a:defRPr>
+            </a:lvl7pPr>
+            <a:lvl8pPr marL="3200400" indent="0" algn="l" defTabSz="457200" rtl="0" eaLnBrk="1" latinLnBrk="0" hangingPunct="1">
+              <a:spcBef>
+                <a:spcPts val="1000"/>
+              </a:spcBef>
+              <a:spcAft>
+                <a:spcPts val="0"/>
+              </a:spcAft>
+              <a:buClr>
+                <a:schemeClr val="accent1"/>
+              </a:buClr>
+              <a:buSzPct val="80000"/>
+              <a:buFont typeface="Wingdings 3" charset="2"/>
+              <a:buNone/>
+              <a:defRPr sz="1400" kern="1200">
+                <a:solidFill>
+                  <a:schemeClr val="tx1">
+                    <a:tint val="75000"/>
+                  </a:schemeClr>
+                </a:solidFill>
+                <a:latin typeface="+mn-lt"/>
+                <a:ea typeface="+mn-ea"/>
+                <a:cs typeface="+mn-cs"/>
+              </a:defRPr>
+            </a:lvl8pPr>
+            <a:lvl9pPr marL="3657600" indent="0" algn="l" defTabSz="457200" rtl="0" eaLnBrk="1" latinLnBrk="0" hangingPunct="1">
+              <a:spcBef>
+                <a:spcPts val="1000"/>
+              </a:spcBef>
+              <a:spcAft>
+                <a:spcPts val="0"/>
+              </a:spcAft>
+              <a:buClr>
+                <a:schemeClr val="accent1"/>
+              </a:buClr>
+              <a:buSzPct val="80000"/>
+              <a:buFont typeface="Wingdings 3" charset="2"/>
+              <a:buNone/>
+              <a:defRPr sz="1400" kern="1200">
+                <a:solidFill>
+                  <a:schemeClr val="tx1">
+                    <a:tint val="75000"/>
+                  </a:schemeClr>
+                </a:solidFill>
+                <a:latin typeface="+mn-lt"/>
+                <a:ea typeface="+mn-ea"/>
+                <a:cs typeface="+mn-cs"/>
+              </a:defRPr>
+            </a:lvl9pPr>
+          </a:lstStyle>
+          <a:p>
+            <a:pPr marL="285750" indent="-285750">
+              <a:buFont typeface="Arial" panose="020B0604020202020204" pitchFamily="34" charset="0"/>
+              <a:buChar char="•"/>
+            </a:pPr>
+            <a:endParaRPr lang="es-ES" dirty="0"/>
+          </a:p>
+          <a:p>
+            <a:pPr marL="285750" indent="-285750">
+              <a:buFont typeface="Arial" panose="020B0604020202020204" pitchFamily="34" charset="0"/>
+              <a:buChar char="•"/>
+            </a:pPr>
+            <a:endParaRPr lang="es-ES" dirty="0"/>
+          </a:p>
+        </p:txBody>
+      </p:sp>
+      <p:pic>
+        <p:nvPicPr>
+          <p:cNvPr id="2050" name="Picture 2" descr="Cómo planificar los presupuestos del año que viene?">
+            <a:extLst>
+              <a:ext uri="{FF2B5EF4-FFF2-40B4-BE49-F238E27FC236}">
+                <a16:creationId xmlns:a16="http://schemas.microsoft.com/office/drawing/2014/main" id="{53DF86E3-C883-483A-8287-370D7B4D275A}"/>
+              </a:ext>
+            </a:extLst>
+          </p:cNvPr>
+          <p:cNvPicPr>
+            <a:picLocks noChangeAspect="1" noChangeArrowheads="1"/>
+          </p:cNvPicPr>
+          <p:nvPr/>
+        </p:nvPicPr>
+        <p:blipFill>
+          <a:blip r:embed="rId2">
+            <a:extLst>
+              <a:ext uri="{28A0092B-C50C-407E-A947-70E740481C1C}">
+                <a14:useLocalDpi xmlns:a14="http://schemas.microsoft.com/office/drawing/2010/main" val="0"/>
+              </a:ext>
+            </a:extLst>
+          </a:blip>
+          <a:srcRect/>
+          <a:stretch>
+            <a:fillRect/>
+          </a:stretch>
+        </p:blipFill>
+        <p:spPr bwMode="auto">
+          <a:xfrm>
+            <a:off x="6096000" y="208838"/>
+            <a:ext cx="2600325" cy="1762125"/>
+          </a:xfrm>
+          <a:prstGeom prst="rect">
+            <a:avLst/>
+          </a:prstGeom>
+          <a:noFill/>
+          <a:extLst>
+            <a:ext uri="{909E8E84-426E-40DD-AFC4-6F175D3DCCD1}">
+              <a14:hiddenFill xmlns:a14="http://schemas.microsoft.com/office/drawing/2010/main">
+                <a:solidFill>
+                  <a:srgbClr val="FFFFFF"/>
+                </a:solidFill>
+              </a14:hiddenFill>
+            </a:ext>
+          </a:extLst>
+        </p:spPr>
+      </p:pic>
+      <p:pic>
+        <p:nvPicPr>
+          <p:cNvPr id="9" name="Imagen 8">
+            <a:extLst>
+              <a:ext uri="{FF2B5EF4-FFF2-40B4-BE49-F238E27FC236}">
+                <a16:creationId xmlns:a16="http://schemas.microsoft.com/office/drawing/2014/main" id="{D38E800A-D9FE-4710-9270-C39368EE47CC}"/>
+              </a:ext>
+            </a:extLst>
+          </p:cNvPr>
+          <p:cNvPicPr/>
+          <p:nvPr/>
+        </p:nvPicPr>
+        <p:blipFill>
+          <a:blip r:embed="rId3"/>
+          <a:stretch>
+            <a:fillRect/>
+          </a:stretch>
+        </p:blipFill>
+        <p:spPr>
+          <a:xfrm>
+            <a:off x="4530407" y="2222443"/>
+            <a:ext cx="5014809" cy="2714480"/>
+          </a:xfrm>
+          <a:prstGeom prst="rect">
+            <a:avLst/>
+          </a:prstGeom>
+        </p:spPr>
+      </p:pic>
+    </p:spTree>
+    <p:extLst>
+      <p:ext uri="{BB962C8B-B14F-4D97-AF65-F5344CB8AC3E}">
+        <p14:creationId xmlns:p14="http://schemas.microsoft.com/office/powerpoint/2010/main" val="2324004914"/>
+      </p:ext>
+    </p:extLst>
+  </p:cSld>
+  <p:clrMapOvr>
+    <a:masterClrMapping/>
+  </p:clrMapOvr>
+</p:sld>
+</file>
+
+<file path=ppt/slides/slide11.xml><?xml version="1.0" encoding="utf-8"?>
+<p:sld xmlns:a="http://schemas.openxmlformats.org/drawingml/2006/main" xmlns:r="http://schemas.openxmlformats.org/officeDocument/2006/relationships" xmlns:p="http://schemas.openxmlformats.org/presentationml/2006/main">
+  <p:cSld>
+    <p:spTree>
+      <p:nvGrpSpPr>
+        <p:cNvPr id="1" name=""/>
+        <p:cNvGrpSpPr/>
+        <p:nvPr/>
+      </p:nvGrpSpPr>
+      <p:grpSpPr>
+        <a:xfrm>
+          <a:off x="0" y="0"/>
+          <a:ext cx="0" cy="0"/>
+          <a:chOff x="0" y="0"/>
+          <a:chExt cx="0" cy="0"/>
+        </a:xfrm>
+      </p:grpSpPr>
       <p:pic>
         <p:nvPicPr>
           <p:cNvPr id="4" name="Imagen 3">
@@ -6439,7 +6950,7 @@
 </p:sld>
 </file>
 
-<file path=ppt/slides/slide11.xml><?xml version="1.0" encoding="utf-8"?>
+<file path=ppt/slides/slide12.xml><?xml version="1.0" encoding="utf-8"?>
 <p:sld xmlns:a="http://schemas.openxmlformats.org/drawingml/2006/main" xmlns:r="http://schemas.openxmlformats.org/officeDocument/2006/relationships" xmlns:p="http://schemas.openxmlformats.org/presentationml/2006/main">
   <p:cSld>
     <p:spTree>
@@ -7294,6 +7805,1233 @@
     <p:extLst>
       <p:ext uri="{BB962C8B-B14F-4D97-AF65-F5344CB8AC3E}">
         <p14:creationId xmlns:p14="http://schemas.microsoft.com/office/powerpoint/2010/main" val="1024968648"/>
+      </p:ext>
+    </p:extLst>
+  </p:cSld>
+  <p:clrMapOvr>
+    <a:masterClrMapping/>
+  </p:clrMapOvr>
+</p:sld>
+</file>
+
+<file path=ppt/slides/slide13.xml><?xml version="1.0" encoding="utf-8"?>
+<p:sld xmlns:a="http://schemas.openxmlformats.org/drawingml/2006/main" xmlns:r="http://schemas.openxmlformats.org/officeDocument/2006/relationships" xmlns:p="http://schemas.openxmlformats.org/presentationml/2006/main">
+  <p:cSld>
+    <p:spTree>
+      <p:nvGrpSpPr>
+        <p:cNvPr id="1" name=""/>
+        <p:cNvGrpSpPr/>
+        <p:nvPr/>
+      </p:nvGrpSpPr>
+      <p:grpSpPr>
+        <a:xfrm>
+          <a:off x="0" y="0"/>
+          <a:ext cx="0" cy="0"/>
+          <a:chOff x="0" y="0"/>
+          <a:chExt cx="0" cy="0"/>
+        </a:xfrm>
+      </p:grpSpPr>
+      <p:sp>
+        <p:nvSpPr>
+          <p:cNvPr id="2" name="Título 1">
+            <a:extLst>
+              <a:ext uri="{FF2B5EF4-FFF2-40B4-BE49-F238E27FC236}">
+                <a16:creationId xmlns:a16="http://schemas.microsoft.com/office/drawing/2014/main" id="{F2839B5A-5A15-4480-BCF2-E00903429E4D}"/>
+              </a:ext>
+            </a:extLst>
+          </p:cNvPr>
+          <p:cNvSpPr>
+            <a:spLocks noGrp="1"/>
+          </p:cNvSpPr>
+          <p:nvPr>
+            <p:ph type="title"/>
+          </p:nvPr>
+        </p:nvSpPr>
+        <p:spPr>
+          <a:xfrm>
+            <a:off x="420245" y="609600"/>
+            <a:ext cx="8596668" cy="1311479"/>
+          </a:xfrm>
+        </p:spPr>
+        <p:txBody>
+          <a:bodyPr/>
+          <a:lstStyle/>
+          <a:p>
+            <a:r>
+              <a:rPr lang="es-ES" dirty="0"/>
+              <a:t>Conclusiones</a:t>
+            </a:r>
+          </a:p>
+        </p:txBody>
+      </p:sp>
+      <p:sp>
+        <p:nvSpPr>
+          <p:cNvPr id="3" name="Marcador de texto 2">
+            <a:extLst>
+              <a:ext uri="{FF2B5EF4-FFF2-40B4-BE49-F238E27FC236}">
+                <a16:creationId xmlns:a16="http://schemas.microsoft.com/office/drawing/2014/main" id="{850D023E-72A1-49AE-8169-3B3F11046534}"/>
+              </a:ext>
+            </a:extLst>
+          </p:cNvPr>
+          <p:cNvSpPr>
+            <a:spLocks noGrp="1"/>
+          </p:cNvSpPr>
+          <p:nvPr>
+            <p:ph type="body" idx="1"/>
+          </p:nvPr>
+        </p:nvSpPr>
+        <p:spPr>
+          <a:xfrm>
+            <a:off x="435285" y="1970963"/>
+            <a:ext cx="3950649" cy="4120283"/>
+          </a:xfrm>
+        </p:spPr>
+        <p:txBody>
+          <a:bodyPr anchor="t">
+            <a:normAutofit/>
+          </a:bodyPr>
+          <a:lstStyle/>
+          <a:p>
+            <a:pPr marL="285750" indent="-285750">
+              <a:buFont typeface="Arial" panose="020B0604020202020204" pitchFamily="34" charset="0"/>
+              <a:buChar char="•"/>
+            </a:pPr>
+            <a:r>
+              <a:rPr lang="es-ES" dirty="0"/>
+              <a:t>Debemos seguir mejorando la muestra de los digitales</a:t>
+            </a:r>
+          </a:p>
+          <a:p>
+            <a:pPr marL="285750" indent="-285750">
+              <a:buFont typeface="Arial" panose="020B0604020202020204" pitchFamily="34" charset="0"/>
+              <a:buChar char="•"/>
+            </a:pPr>
+            <a:r>
+              <a:rPr lang="es-ES" dirty="0"/>
+              <a:t>Dificultades técnicas </a:t>
+            </a:r>
+          </a:p>
+          <a:p>
+            <a:pPr marL="285750" indent="-285750">
+              <a:buFont typeface="Arial" panose="020B0604020202020204" pitchFamily="34" charset="0"/>
+              <a:buChar char="•"/>
+            </a:pPr>
+            <a:r>
+              <a:rPr lang="es-ES" dirty="0"/>
+              <a:t>Buen modelo y conclusiones</a:t>
+            </a:r>
+          </a:p>
+          <a:p>
+            <a:pPr marL="285750" indent="-285750">
+              <a:buFont typeface="Arial" panose="020B0604020202020204" pitchFamily="34" charset="0"/>
+              <a:buChar char="•"/>
+            </a:pPr>
+            <a:r>
+              <a:rPr lang="es-ES" dirty="0"/>
+              <a:t>Arquitectura muy interesante y útil</a:t>
+            </a:r>
+          </a:p>
+          <a:p>
+            <a:pPr marL="285750" indent="-285750">
+              <a:buFont typeface="Arial" panose="020B0604020202020204" pitchFamily="34" charset="0"/>
+              <a:buChar char="•"/>
+            </a:pPr>
+            <a:r>
+              <a:rPr lang="es-ES" dirty="0"/>
+              <a:t>Conexión tiempo real por distintos caminos</a:t>
+            </a:r>
+          </a:p>
+          <a:p>
+            <a:pPr marL="285750" indent="-285750">
+              <a:buFont typeface="Arial" panose="020B0604020202020204" pitchFamily="34" charset="0"/>
+              <a:buChar char="•"/>
+            </a:pPr>
+            <a:r>
+              <a:rPr lang="es-ES" dirty="0"/>
+              <a:t>Reutilización de arquitectura para otros proyectos</a:t>
+            </a:r>
+          </a:p>
+          <a:p>
+            <a:pPr marL="285750" indent="-285750">
+              <a:buFont typeface="Arial" panose="020B0604020202020204" pitchFamily="34" charset="0"/>
+              <a:buChar char="•"/>
+            </a:pPr>
+            <a:endParaRPr lang="es-ES" dirty="0"/>
+          </a:p>
+          <a:p>
+            <a:pPr marL="285750" indent="-285750">
+              <a:buFont typeface="Arial" panose="020B0604020202020204" pitchFamily="34" charset="0"/>
+              <a:buChar char="•"/>
+            </a:pPr>
+            <a:endParaRPr lang="es-ES" dirty="0"/>
+          </a:p>
+          <a:p>
+            <a:pPr marL="285750" indent="-285750">
+              <a:buFont typeface="Arial" panose="020B0604020202020204" pitchFamily="34" charset="0"/>
+              <a:buChar char="•"/>
+            </a:pPr>
+            <a:endParaRPr lang="es-ES" dirty="0"/>
+          </a:p>
+        </p:txBody>
+      </p:sp>
+      <p:sp>
+        <p:nvSpPr>
+          <p:cNvPr id="6" name="Marcador de texto 2">
+            <a:extLst>
+              <a:ext uri="{FF2B5EF4-FFF2-40B4-BE49-F238E27FC236}">
+                <a16:creationId xmlns:a16="http://schemas.microsoft.com/office/drawing/2014/main" id="{0CA58056-D40E-4BD9-9FD3-78F369C071B3}"/>
+              </a:ext>
+            </a:extLst>
+          </p:cNvPr>
+          <p:cNvSpPr txBox="1">
+            <a:spLocks/>
+          </p:cNvSpPr>
+          <p:nvPr/>
+        </p:nvSpPr>
+        <p:spPr>
+          <a:xfrm>
+            <a:off x="4975669" y="1852320"/>
+            <a:ext cx="3950649" cy="4120283"/>
+          </a:xfrm>
+          <a:prstGeom prst="rect">
+            <a:avLst/>
+          </a:prstGeom>
+        </p:spPr>
+        <p:txBody>
+          <a:bodyPr vert="horz" lIns="91440" tIns="45720" rIns="91440" bIns="45720" rtlCol="0" anchor="t">
+            <a:normAutofit/>
+          </a:bodyPr>
+          <a:lstStyle>
+            <a:lvl1pPr marL="0" indent="0" algn="l" defTabSz="457200" rtl="0" eaLnBrk="1" latinLnBrk="0" hangingPunct="1">
+              <a:spcBef>
+                <a:spcPts val="1000"/>
+              </a:spcBef>
+              <a:spcAft>
+                <a:spcPts val="0"/>
+              </a:spcAft>
+              <a:buClr>
+                <a:schemeClr val="accent1"/>
+              </a:buClr>
+              <a:buSzPct val="80000"/>
+              <a:buFont typeface="Wingdings 3" charset="2"/>
+              <a:buNone/>
+              <a:defRPr sz="1800" kern="1200">
+                <a:solidFill>
+                  <a:schemeClr val="tx1">
+                    <a:lumMod val="75000"/>
+                    <a:lumOff val="25000"/>
+                  </a:schemeClr>
+                </a:solidFill>
+                <a:latin typeface="+mn-lt"/>
+                <a:ea typeface="+mn-ea"/>
+                <a:cs typeface="+mn-cs"/>
+              </a:defRPr>
+            </a:lvl1pPr>
+            <a:lvl2pPr marL="457200" indent="0" algn="l" defTabSz="457200" rtl="0" eaLnBrk="1" latinLnBrk="0" hangingPunct="1">
+              <a:spcBef>
+                <a:spcPts val="1000"/>
+              </a:spcBef>
+              <a:spcAft>
+                <a:spcPts val="0"/>
+              </a:spcAft>
+              <a:buClr>
+                <a:schemeClr val="accent1"/>
+              </a:buClr>
+              <a:buSzPct val="80000"/>
+              <a:buFont typeface="Wingdings 3" charset="2"/>
+              <a:buNone/>
+              <a:defRPr sz="1800" kern="1200">
+                <a:solidFill>
+                  <a:schemeClr val="tx1">
+                    <a:tint val="75000"/>
+                  </a:schemeClr>
+                </a:solidFill>
+                <a:latin typeface="+mn-lt"/>
+                <a:ea typeface="+mn-ea"/>
+                <a:cs typeface="+mn-cs"/>
+              </a:defRPr>
+            </a:lvl2pPr>
+            <a:lvl3pPr marL="914400" indent="0" algn="l" defTabSz="457200" rtl="0" eaLnBrk="1" latinLnBrk="0" hangingPunct="1">
+              <a:spcBef>
+                <a:spcPts val="1000"/>
+              </a:spcBef>
+              <a:spcAft>
+                <a:spcPts val="0"/>
+              </a:spcAft>
+              <a:buClr>
+                <a:schemeClr val="accent1"/>
+              </a:buClr>
+              <a:buSzPct val="80000"/>
+              <a:buFont typeface="Wingdings 3" charset="2"/>
+              <a:buNone/>
+              <a:defRPr sz="1600" kern="1200">
+                <a:solidFill>
+                  <a:schemeClr val="tx1">
+                    <a:tint val="75000"/>
+                  </a:schemeClr>
+                </a:solidFill>
+                <a:latin typeface="+mn-lt"/>
+                <a:ea typeface="+mn-ea"/>
+                <a:cs typeface="+mn-cs"/>
+              </a:defRPr>
+            </a:lvl3pPr>
+            <a:lvl4pPr marL="1371600" indent="0" algn="l" defTabSz="457200" rtl="0" eaLnBrk="1" latinLnBrk="0" hangingPunct="1">
+              <a:spcBef>
+                <a:spcPts val="1000"/>
+              </a:spcBef>
+              <a:spcAft>
+                <a:spcPts val="0"/>
+              </a:spcAft>
+              <a:buClr>
+                <a:schemeClr val="accent1"/>
+              </a:buClr>
+              <a:buSzPct val="80000"/>
+              <a:buFont typeface="Wingdings 3" charset="2"/>
+              <a:buNone/>
+              <a:defRPr sz="1400" kern="1200">
+                <a:solidFill>
+                  <a:schemeClr val="tx1">
+                    <a:tint val="75000"/>
+                  </a:schemeClr>
+                </a:solidFill>
+                <a:latin typeface="+mn-lt"/>
+                <a:ea typeface="+mn-ea"/>
+                <a:cs typeface="+mn-cs"/>
+              </a:defRPr>
+            </a:lvl4pPr>
+            <a:lvl5pPr marL="1828800" indent="0" algn="l" defTabSz="457200" rtl="0" eaLnBrk="1" latinLnBrk="0" hangingPunct="1">
+              <a:spcBef>
+                <a:spcPts val="1000"/>
+              </a:spcBef>
+              <a:spcAft>
+                <a:spcPts val="0"/>
+              </a:spcAft>
+              <a:buClr>
+                <a:schemeClr val="accent1"/>
+              </a:buClr>
+              <a:buSzPct val="80000"/>
+              <a:buFont typeface="Wingdings 3" charset="2"/>
+              <a:buNone/>
+              <a:defRPr sz="1400" kern="1200">
+                <a:solidFill>
+                  <a:schemeClr val="tx1">
+                    <a:tint val="75000"/>
+                  </a:schemeClr>
+                </a:solidFill>
+                <a:latin typeface="+mn-lt"/>
+                <a:ea typeface="+mn-ea"/>
+                <a:cs typeface="+mn-cs"/>
+              </a:defRPr>
+            </a:lvl5pPr>
+            <a:lvl6pPr marL="2286000" indent="0" algn="l" defTabSz="457200" rtl="0" eaLnBrk="1" latinLnBrk="0" hangingPunct="1">
+              <a:spcBef>
+                <a:spcPts val="1000"/>
+              </a:spcBef>
+              <a:spcAft>
+                <a:spcPts val="0"/>
+              </a:spcAft>
+              <a:buClr>
+                <a:schemeClr val="accent1"/>
+              </a:buClr>
+              <a:buSzPct val="80000"/>
+              <a:buFont typeface="Wingdings 3" charset="2"/>
+              <a:buNone/>
+              <a:defRPr sz="1400" kern="1200">
+                <a:solidFill>
+                  <a:schemeClr val="tx1">
+                    <a:tint val="75000"/>
+                  </a:schemeClr>
+                </a:solidFill>
+                <a:latin typeface="+mn-lt"/>
+                <a:ea typeface="+mn-ea"/>
+                <a:cs typeface="+mn-cs"/>
+              </a:defRPr>
+            </a:lvl6pPr>
+            <a:lvl7pPr marL="2743200" indent="0" algn="l" defTabSz="457200" rtl="0" eaLnBrk="1" latinLnBrk="0" hangingPunct="1">
+              <a:spcBef>
+                <a:spcPts val="1000"/>
+              </a:spcBef>
+              <a:spcAft>
+                <a:spcPts val="0"/>
+              </a:spcAft>
+              <a:buClr>
+                <a:schemeClr val="accent1"/>
+              </a:buClr>
+              <a:buSzPct val="80000"/>
+              <a:buFont typeface="Wingdings 3" charset="2"/>
+              <a:buNone/>
+              <a:defRPr sz="1400" kern="1200">
+                <a:solidFill>
+                  <a:schemeClr val="tx1">
+                    <a:tint val="75000"/>
+                  </a:schemeClr>
+                </a:solidFill>
+                <a:latin typeface="+mn-lt"/>
+                <a:ea typeface="+mn-ea"/>
+                <a:cs typeface="+mn-cs"/>
+              </a:defRPr>
+            </a:lvl7pPr>
+            <a:lvl8pPr marL="3200400" indent="0" algn="l" defTabSz="457200" rtl="0" eaLnBrk="1" latinLnBrk="0" hangingPunct="1">
+              <a:spcBef>
+                <a:spcPts val="1000"/>
+              </a:spcBef>
+              <a:spcAft>
+                <a:spcPts val="0"/>
+              </a:spcAft>
+              <a:buClr>
+                <a:schemeClr val="accent1"/>
+              </a:buClr>
+              <a:buSzPct val="80000"/>
+              <a:buFont typeface="Wingdings 3" charset="2"/>
+              <a:buNone/>
+              <a:defRPr sz="1400" kern="1200">
+                <a:solidFill>
+                  <a:schemeClr val="tx1">
+                    <a:tint val="75000"/>
+                  </a:schemeClr>
+                </a:solidFill>
+                <a:latin typeface="+mn-lt"/>
+                <a:ea typeface="+mn-ea"/>
+                <a:cs typeface="+mn-cs"/>
+              </a:defRPr>
+            </a:lvl8pPr>
+            <a:lvl9pPr marL="3657600" indent="0" algn="l" defTabSz="457200" rtl="0" eaLnBrk="1" latinLnBrk="0" hangingPunct="1">
+              <a:spcBef>
+                <a:spcPts val="1000"/>
+              </a:spcBef>
+              <a:spcAft>
+                <a:spcPts val="0"/>
+              </a:spcAft>
+              <a:buClr>
+                <a:schemeClr val="accent1"/>
+              </a:buClr>
+              <a:buSzPct val="80000"/>
+              <a:buFont typeface="Wingdings 3" charset="2"/>
+              <a:buNone/>
+              <a:defRPr sz="1400" kern="1200">
+                <a:solidFill>
+                  <a:schemeClr val="tx1">
+                    <a:tint val="75000"/>
+                  </a:schemeClr>
+                </a:solidFill>
+                <a:latin typeface="+mn-lt"/>
+                <a:ea typeface="+mn-ea"/>
+                <a:cs typeface="+mn-cs"/>
+              </a:defRPr>
+            </a:lvl9pPr>
+          </a:lstStyle>
+          <a:p>
+            <a:pPr marL="285750" indent="-285750">
+              <a:buFont typeface="Arial" panose="020B0604020202020204" pitchFamily="34" charset="0"/>
+              <a:buChar char="•"/>
+            </a:pPr>
+            <a:endParaRPr lang="es-ES" dirty="0"/>
+          </a:p>
+          <a:p>
+            <a:pPr marL="285750" indent="-285750">
+              <a:buFont typeface="Arial" panose="020B0604020202020204" pitchFamily="34" charset="0"/>
+              <a:buChar char="•"/>
+            </a:pPr>
+            <a:endParaRPr lang="es-ES" dirty="0"/>
+          </a:p>
+        </p:txBody>
+      </p:sp>
+      <p:pic>
+        <p:nvPicPr>
+          <p:cNvPr id="1026" name="Picture 2" descr="Bienes de uso: Diferencia entre mantenimiento, mejora y reparación -  Aprendiendo Administración">
+            <a:extLst>
+              <a:ext uri="{FF2B5EF4-FFF2-40B4-BE49-F238E27FC236}">
+                <a16:creationId xmlns:a16="http://schemas.microsoft.com/office/drawing/2014/main" id="{BF2CBB7A-D137-41C6-9DCF-5938A29BF48E}"/>
+              </a:ext>
+            </a:extLst>
+          </p:cNvPr>
+          <p:cNvPicPr>
+            <a:picLocks noChangeAspect="1" noChangeArrowheads="1"/>
+          </p:cNvPicPr>
+          <p:nvPr/>
+        </p:nvPicPr>
+        <p:blipFill>
+          <a:blip r:embed="rId2">
+            <a:extLst>
+              <a:ext uri="{28A0092B-C50C-407E-A947-70E740481C1C}">
+                <a14:useLocalDpi xmlns:a14="http://schemas.microsoft.com/office/drawing/2010/main" val="0"/>
+              </a:ext>
+            </a:extLst>
+          </a:blip>
+          <a:srcRect/>
+          <a:stretch>
+            <a:fillRect/>
+          </a:stretch>
+        </p:blipFill>
+        <p:spPr bwMode="auto">
+          <a:xfrm>
+            <a:off x="6676670" y="202411"/>
+            <a:ext cx="2895600" cy="1581150"/>
+          </a:xfrm>
+          <a:prstGeom prst="rect">
+            <a:avLst/>
+          </a:prstGeom>
+          <a:noFill/>
+          <a:extLst>
+            <a:ext uri="{909E8E84-426E-40DD-AFC4-6F175D3DCCD1}">
+              <a14:hiddenFill xmlns:a14="http://schemas.microsoft.com/office/drawing/2010/main">
+                <a:solidFill>
+                  <a:srgbClr val="FFFFFF"/>
+                </a:solidFill>
+              </a14:hiddenFill>
+            </a:ext>
+          </a:extLst>
+        </p:spPr>
+      </p:pic>
+      <p:sp>
+        <p:nvSpPr>
+          <p:cNvPr id="12" name="Marcador de texto 2">
+            <a:extLst>
+              <a:ext uri="{FF2B5EF4-FFF2-40B4-BE49-F238E27FC236}">
+                <a16:creationId xmlns:a16="http://schemas.microsoft.com/office/drawing/2014/main" id="{8E250DF4-A2E6-434F-BBD9-3441B191676C}"/>
+              </a:ext>
+            </a:extLst>
+          </p:cNvPr>
+          <p:cNvSpPr txBox="1">
+            <a:spLocks/>
+          </p:cNvSpPr>
+          <p:nvPr/>
+        </p:nvSpPr>
+        <p:spPr>
+          <a:xfrm>
+            <a:off x="4814506" y="1852319"/>
+            <a:ext cx="3950649" cy="4120283"/>
+          </a:xfrm>
+          <a:prstGeom prst="rect">
+            <a:avLst/>
+          </a:prstGeom>
+        </p:spPr>
+        <p:txBody>
+          <a:bodyPr vert="horz" lIns="91440" tIns="45720" rIns="91440" bIns="45720" rtlCol="0" anchor="t">
+            <a:normAutofit/>
+          </a:bodyPr>
+          <a:lstStyle>
+            <a:lvl1pPr marL="0" indent="0" algn="l" defTabSz="457200" rtl="0" eaLnBrk="1" latinLnBrk="0" hangingPunct="1">
+              <a:spcBef>
+                <a:spcPts val="1000"/>
+              </a:spcBef>
+              <a:spcAft>
+                <a:spcPts val="0"/>
+              </a:spcAft>
+              <a:buClr>
+                <a:schemeClr val="accent1"/>
+              </a:buClr>
+              <a:buSzPct val="80000"/>
+              <a:buFont typeface="Wingdings 3" charset="2"/>
+              <a:buNone/>
+              <a:defRPr sz="1800" kern="1200">
+                <a:solidFill>
+                  <a:schemeClr val="tx1">
+                    <a:lumMod val="75000"/>
+                    <a:lumOff val="25000"/>
+                  </a:schemeClr>
+                </a:solidFill>
+                <a:latin typeface="+mn-lt"/>
+                <a:ea typeface="+mn-ea"/>
+                <a:cs typeface="+mn-cs"/>
+              </a:defRPr>
+            </a:lvl1pPr>
+            <a:lvl2pPr marL="457200" indent="0" algn="l" defTabSz="457200" rtl="0" eaLnBrk="1" latinLnBrk="0" hangingPunct="1">
+              <a:spcBef>
+                <a:spcPts val="1000"/>
+              </a:spcBef>
+              <a:spcAft>
+                <a:spcPts val="0"/>
+              </a:spcAft>
+              <a:buClr>
+                <a:schemeClr val="accent1"/>
+              </a:buClr>
+              <a:buSzPct val="80000"/>
+              <a:buFont typeface="Wingdings 3" charset="2"/>
+              <a:buNone/>
+              <a:defRPr sz="1800" kern="1200">
+                <a:solidFill>
+                  <a:schemeClr val="tx1">
+                    <a:tint val="75000"/>
+                  </a:schemeClr>
+                </a:solidFill>
+                <a:latin typeface="+mn-lt"/>
+                <a:ea typeface="+mn-ea"/>
+                <a:cs typeface="+mn-cs"/>
+              </a:defRPr>
+            </a:lvl2pPr>
+            <a:lvl3pPr marL="914400" indent="0" algn="l" defTabSz="457200" rtl="0" eaLnBrk="1" latinLnBrk="0" hangingPunct="1">
+              <a:spcBef>
+                <a:spcPts val="1000"/>
+              </a:spcBef>
+              <a:spcAft>
+                <a:spcPts val="0"/>
+              </a:spcAft>
+              <a:buClr>
+                <a:schemeClr val="accent1"/>
+              </a:buClr>
+              <a:buSzPct val="80000"/>
+              <a:buFont typeface="Wingdings 3" charset="2"/>
+              <a:buNone/>
+              <a:defRPr sz="1600" kern="1200">
+                <a:solidFill>
+                  <a:schemeClr val="tx1">
+                    <a:tint val="75000"/>
+                  </a:schemeClr>
+                </a:solidFill>
+                <a:latin typeface="+mn-lt"/>
+                <a:ea typeface="+mn-ea"/>
+                <a:cs typeface="+mn-cs"/>
+              </a:defRPr>
+            </a:lvl3pPr>
+            <a:lvl4pPr marL="1371600" indent="0" algn="l" defTabSz="457200" rtl="0" eaLnBrk="1" latinLnBrk="0" hangingPunct="1">
+              <a:spcBef>
+                <a:spcPts val="1000"/>
+              </a:spcBef>
+              <a:spcAft>
+                <a:spcPts val="0"/>
+              </a:spcAft>
+              <a:buClr>
+                <a:schemeClr val="accent1"/>
+              </a:buClr>
+              <a:buSzPct val="80000"/>
+              <a:buFont typeface="Wingdings 3" charset="2"/>
+              <a:buNone/>
+              <a:defRPr sz="1400" kern="1200">
+                <a:solidFill>
+                  <a:schemeClr val="tx1">
+                    <a:tint val="75000"/>
+                  </a:schemeClr>
+                </a:solidFill>
+                <a:latin typeface="+mn-lt"/>
+                <a:ea typeface="+mn-ea"/>
+                <a:cs typeface="+mn-cs"/>
+              </a:defRPr>
+            </a:lvl4pPr>
+            <a:lvl5pPr marL="1828800" indent="0" algn="l" defTabSz="457200" rtl="0" eaLnBrk="1" latinLnBrk="0" hangingPunct="1">
+              <a:spcBef>
+                <a:spcPts val="1000"/>
+              </a:spcBef>
+              <a:spcAft>
+                <a:spcPts val="0"/>
+              </a:spcAft>
+              <a:buClr>
+                <a:schemeClr val="accent1"/>
+              </a:buClr>
+              <a:buSzPct val="80000"/>
+              <a:buFont typeface="Wingdings 3" charset="2"/>
+              <a:buNone/>
+              <a:defRPr sz="1400" kern="1200">
+                <a:solidFill>
+                  <a:schemeClr val="tx1">
+                    <a:tint val="75000"/>
+                  </a:schemeClr>
+                </a:solidFill>
+                <a:latin typeface="+mn-lt"/>
+                <a:ea typeface="+mn-ea"/>
+                <a:cs typeface="+mn-cs"/>
+              </a:defRPr>
+            </a:lvl5pPr>
+            <a:lvl6pPr marL="2286000" indent="0" algn="l" defTabSz="457200" rtl="0" eaLnBrk="1" latinLnBrk="0" hangingPunct="1">
+              <a:spcBef>
+                <a:spcPts val="1000"/>
+              </a:spcBef>
+              <a:spcAft>
+                <a:spcPts val="0"/>
+              </a:spcAft>
+              <a:buClr>
+                <a:schemeClr val="accent1"/>
+              </a:buClr>
+              <a:buSzPct val="80000"/>
+              <a:buFont typeface="Wingdings 3" charset="2"/>
+              <a:buNone/>
+              <a:defRPr sz="1400" kern="1200">
+                <a:solidFill>
+                  <a:schemeClr val="tx1">
+                    <a:tint val="75000"/>
+                  </a:schemeClr>
+                </a:solidFill>
+                <a:latin typeface="+mn-lt"/>
+                <a:ea typeface="+mn-ea"/>
+                <a:cs typeface="+mn-cs"/>
+              </a:defRPr>
+            </a:lvl6pPr>
+            <a:lvl7pPr marL="2743200" indent="0" algn="l" defTabSz="457200" rtl="0" eaLnBrk="1" latinLnBrk="0" hangingPunct="1">
+              <a:spcBef>
+                <a:spcPts val="1000"/>
+              </a:spcBef>
+              <a:spcAft>
+                <a:spcPts val="0"/>
+              </a:spcAft>
+              <a:buClr>
+                <a:schemeClr val="accent1"/>
+              </a:buClr>
+              <a:buSzPct val="80000"/>
+              <a:buFont typeface="Wingdings 3" charset="2"/>
+              <a:buNone/>
+              <a:defRPr sz="1400" kern="1200">
+                <a:solidFill>
+                  <a:schemeClr val="tx1">
+                    <a:tint val="75000"/>
+                  </a:schemeClr>
+                </a:solidFill>
+                <a:latin typeface="+mn-lt"/>
+                <a:ea typeface="+mn-ea"/>
+                <a:cs typeface="+mn-cs"/>
+              </a:defRPr>
+            </a:lvl7pPr>
+            <a:lvl8pPr marL="3200400" indent="0" algn="l" defTabSz="457200" rtl="0" eaLnBrk="1" latinLnBrk="0" hangingPunct="1">
+              <a:spcBef>
+                <a:spcPts val="1000"/>
+              </a:spcBef>
+              <a:spcAft>
+                <a:spcPts val="0"/>
+              </a:spcAft>
+              <a:buClr>
+                <a:schemeClr val="accent1"/>
+              </a:buClr>
+              <a:buSzPct val="80000"/>
+              <a:buFont typeface="Wingdings 3" charset="2"/>
+              <a:buNone/>
+              <a:defRPr sz="1400" kern="1200">
+                <a:solidFill>
+                  <a:schemeClr val="tx1">
+                    <a:tint val="75000"/>
+                  </a:schemeClr>
+                </a:solidFill>
+                <a:latin typeface="+mn-lt"/>
+                <a:ea typeface="+mn-ea"/>
+                <a:cs typeface="+mn-cs"/>
+              </a:defRPr>
+            </a:lvl8pPr>
+            <a:lvl9pPr marL="3657600" indent="0" algn="l" defTabSz="457200" rtl="0" eaLnBrk="1" latinLnBrk="0" hangingPunct="1">
+              <a:spcBef>
+                <a:spcPts val="1000"/>
+              </a:spcBef>
+              <a:spcAft>
+                <a:spcPts val="0"/>
+              </a:spcAft>
+              <a:buClr>
+                <a:schemeClr val="accent1"/>
+              </a:buClr>
+              <a:buSzPct val="80000"/>
+              <a:buFont typeface="Wingdings 3" charset="2"/>
+              <a:buNone/>
+              <a:defRPr sz="1400" kern="1200">
+                <a:solidFill>
+                  <a:schemeClr val="tx1">
+                    <a:tint val="75000"/>
+                  </a:schemeClr>
+                </a:solidFill>
+                <a:latin typeface="+mn-lt"/>
+                <a:ea typeface="+mn-ea"/>
+                <a:cs typeface="+mn-cs"/>
+              </a:defRPr>
+            </a:lvl9pPr>
+          </a:lstStyle>
+          <a:p>
+            <a:pPr marL="285750" indent="-285750">
+              <a:buFont typeface="Arial" panose="020B0604020202020204" pitchFamily="34" charset="0"/>
+              <a:buChar char="•"/>
+            </a:pPr>
+            <a:r>
+              <a:rPr lang="es-ES" dirty="0"/>
+              <a:t>Facilidad de implementación</a:t>
+            </a:r>
+          </a:p>
+          <a:p>
+            <a:pPr marL="285750" indent="-285750">
+              <a:buFont typeface="Arial" panose="020B0604020202020204" pitchFamily="34" charset="0"/>
+              <a:buChar char="•"/>
+            </a:pPr>
+            <a:r>
+              <a:rPr lang="es-ES" dirty="0"/>
+              <a:t>Bajo coste</a:t>
+            </a:r>
+          </a:p>
+          <a:p>
+            <a:pPr marL="285750" indent="-285750">
+              <a:buFont typeface="Arial" panose="020B0604020202020204" pitchFamily="34" charset="0"/>
+              <a:buChar char="•"/>
+            </a:pPr>
+            <a:r>
+              <a:rPr lang="es-ES" dirty="0"/>
+              <a:t>Gran cantidad de documentación</a:t>
+            </a:r>
+          </a:p>
+          <a:p>
+            <a:pPr marL="285750" indent="-285750">
+              <a:buFont typeface="Arial" panose="020B0604020202020204" pitchFamily="34" charset="0"/>
+              <a:buChar char="•"/>
+            </a:pPr>
+            <a:r>
+              <a:rPr lang="es-ES" dirty="0"/>
+              <a:t>Palancas que pueden ayudar a negocio</a:t>
+            </a:r>
+          </a:p>
+          <a:p>
+            <a:pPr marL="285750" indent="-285750">
+              <a:buFont typeface="Arial" panose="020B0604020202020204" pitchFamily="34" charset="0"/>
+              <a:buChar char="•"/>
+            </a:pPr>
+            <a:r>
+              <a:rPr lang="es-ES" dirty="0"/>
+              <a:t>Conocimiento de cliente</a:t>
+            </a:r>
+          </a:p>
+          <a:p>
+            <a:pPr marL="285750" indent="-285750">
+              <a:buFont typeface="Arial" panose="020B0604020202020204" pitchFamily="34" charset="0"/>
+              <a:buChar char="•"/>
+            </a:pPr>
+            <a:endParaRPr lang="es-ES" dirty="0"/>
+          </a:p>
+          <a:p>
+            <a:pPr marL="285750" indent="-285750">
+              <a:buFont typeface="Arial" panose="020B0604020202020204" pitchFamily="34" charset="0"/>
+              <a:buChar char="•"/>
+            </a:pPr>
+            <a:endParaRPr lang="es-ES" dirty="0"/>
+          </a:p>
+        </p:txBody>
+      </p:sp>
+      <p:pic>
+        <p:nvPicPr>
+          <p:cNvPr id="1028" name="Picture 4" descr="Mejoras archivos - Nubenet">
+            <a:extLst>
+              <a:ext uri="{FF2B5EF4-FFF2-40B4-BE49-F238E27FC236}">
+                <a16:creationId xmlns:a16="http://schemas.microsoft.com/office/drawing/2014/main" id="{C08E898D-EADC-4F03-8F65-9A8B4CE4B880}"/>
+              </a:ext>
+            </a:extLst>
+          </p:cNvPr>
+          <p:cNvPicPr>
+            <a:picLocks noChangeAspect="1" noChangeArrowheads="1"/>
+          </p:cNvPicPr>
+          <p:nvPr/>
+        </p:nvPicPr>
+        <p:blipFill>
+          <a:blip r:embed="rId3">
+            <a:extLst>
+              <a:ext uri="{28A0092B-C50C-407E-A947-70E740481C1C}">
+                <a14:useLocalDpi xmlns:a14="http://schemas.microsoft.com/office/drawing/2010/main" val="0"/>
+              </a:ext>
+            </a:extLst>
+          </a:blip>
+          <a:srcRect/>
+          <a:stretch>
+            <a:fillRect/>
+          </a:stretch>
+        </p:blipFill>
+        <p:spPr bwMode="auto">
+          <a:xfrm>
+            <a:off x="5466995" y="4074909"/>
+            <a:ext cx="2657475" cy="1724025"/>
+          </a:xfrm>
+          <a:prstGeom prst="rect">
+            <a:avLst/>
+          </a:prstGeom>
+          <a:noFill/>
+          <a:extLst>
+            <a:ext uri="{909E8E84-426E-40DD-AFC4-6F175D3DCCD1}">
+              <a14:hiddenFill xmlns:a14="http://schemas.microsoft.com/office/drawing/2010/main">
+                <a:solidFill>
+                  <a:srgbClr val="FFFFFF"/>
+                </a:solidFill>
+              </a14:hiddenFill>
+            </a:ext>
+          </a:extLst>
+        </p:spPr>
+      </p:pic>
+    </p:spTree>
+    <p:extLst>
+      <p:ext uri="{BB962C8B-B14F-4D97-AF65-F5344CB8AC3E}">
+        <p14:creationId xmlns:p14="http://schemas.microsoft.com/office/powerpoint/2010/main" val="158958158"/>
+      </p:ext>
+    </p:extLst>
+  </p:cSld>
+  <p:clrMapOvr>
+    <a:masterClrMapping/>
+  </p:clrMapOvr>
+</p:sld>
+</file>
+
+<file path=ppt/slides/slide14.xml><?xml version="1.0" encoding="utf-8"?>
+<p:sld xmlns:a="http://schemas.openxmlformats.org/drawingml/2006/main" xmlns:r="http://schemas.openxmlformats.org/officeDocument/2006/relationships" xmlns:p="http://schemas.openxmlformats.org/presentationml/2006/main">
+  <p:cSld>
+    <p:spTree>
+      <p:nvGrpSpPr>
+        <p:cNvPr id="1" name=""/>
+        <p:cNvGrpSpPr/>
+        <p:nvPr/>
+      </p:nvGrpSpPr>
+      <p:grpSpPr>
+        <a:xfrm>
+          <a:off x="0" y="0"/>
+          <a:ext cx="0" cy="0"/>
+          <a:chOff x="0" y="0"/>
+          <a:chExt cx="0" cy="0"/>
+        </a:xfrm>
+      </p:grpSpPr>
+      <p:sp>
+        <p:nvSpPr>
+          <p:cNvPr id="6" name="Marcador de texto 2">
+            <a:extLst>
+              <a:ext uri="{FF2B5EF4-FFF2-40B4-BE49-F238E27FC236}">
+                <a16:creationId xmlns:a16="http://schemas.microsoft.com/office/drawing/2014/main" id="{0CA58056-D40E-4BD9-9FD3-78F369C071B3}"/>
+              </a:ext>
+            </a:extLst>
+          </p:cNvPr>
+          <p:cNvSpPr txBox="1">
+            <a:spLocks/>
+          </p:cNvSpPr>
+          <p:nvPr/>
+        </p:nvSpPr>
+        <p:spPr>
+          <a:xfrm>
+            <a:off x="4975669" y="1852320"/>
+            <a:ext cx="3950649" cy="4120283"/>
+          </a:xfrm>
+          <a:prstGeom prst="rect">
+            <a:avLst/>
+          </a:prstGeom>
+        </p:spPr>
+        <p:txBody>
+          <a:bodyPr vert="horz" lIns="91440" tIns="45720" rIns="91440" bIns="45720" rtlCol="0" anchor="t">
+            <a:normAutofit/>
+          </a:bodyPr>
+          <a:lstStyle>
+            <a:lvl1pPr marL="0" indent="0" algn="l" defTabSz="457200" rtl="0" eaLnBrk="1" latinLnBrk="0" hangingPunct="1">
+              <a:spcBef>
+                <a:spcPts val="1000"/>
+              </a:spcBef>
+              <a:spcAft>
+                <a:spcPts val="0"/>
+              </a:spcAft>
+              <a:buClr>
+                <a:schemeClr val="accent1"/>
+              </a:buClr>
+              <a:buSzPct val="80000"/>
+              <a:buFont typeface="Wingdings 3" charset="2"/>
+              <a:buNone/>
+              <a:defRPr sz="1800" kern="1200">
+                <a:solidFill>
+                  <a:schemeClr val="tx1">
+                    <a:lumMod val="75000"/>
+                    <a:lumOff val="25000"/>
+                  </a:schemeClr>
+                </a:solidFill>
+                <a:latin typeface="+mn-lt"/>
+                <a:ea typeface="+mn-ea"/>
+                <a:cs typeface="+mn-cs"/>
+              </a:defRPr>
+            </a:lvl1pPr>
+            <a:lvl2pPr marL="457200" indent="0" algn="l" defTabSz="457200" rtl="0" eaLnBrk="1" latinLnBrk="0" hangingPunct="1">
+              <a:spcBef>
+                <a:spcPts val="1000"/>
+              </a:spcBef>
+              <a:spcAft>
+                <a:spcPts val="0"/>
+              </a:spcAft>
+              <a:buClr>
+                <a:schemeClr val="accent1"/>
+              </a:buClr>
+              <a:buSzPct val="80000"/>
+              <a:buFont typeface="Wingdings 3" charset="2"/>
+              <a:buNone/>
+              <a:defRPr sz="1800" kern="1200">
+                <a:solidFill>
+                  <a:schemeClr val="tx1">
+                    <a:tint val="75000"/>
+                  </a:schemeClr>
+                </a:solidFill>
+                <a:latin typeface="+mn-lt"/>
+                <a:ea typeface="+mn-ea"/>
+                <a:cs typeface="+mn-cs"/>
+              </a:defRPr>
+            </a:lvl2pPr>
+            <a:lvl3pPr marL="914400" indent="0" algn="l" defTabSz="457200" rtl="0" eaLnBrk="1" latinLnBrk="0" hangingPunct="1">
+              <a:spcBef>
+                <a:spcPts val="1000"/>
+              </a:spcBef>
+              <a:spcAft>
+                <a:spcPts val="0"/>
+              </a:spcAft>
+              <a:buClr>
+                <a:schemeClr val="accent1"/>
+              </a:buClr>
+              <a:buSzPct val="80000"/>
+              <a:buFont typeface="Wingdings 3" charset="2"/>
+              <a:buNone/>
+              <a:defRPr sz="1600" kern="1200">
+                <a:solidFill>
+                  <a:schemeClr val="tx1">
+                    <a:tint val="75000"/>
+                  </a:schemeClr>
+                </a:solidFill>
+                <a:latin typeface="+mn-lt"/>
+                <a:ea typeface="+mn-ea"/>
+                <a:cs typeface="+mn-cs"/>
+              </a:defRPr>
+            </a:lvl3pPr>
+            <a:lvl4pPr marL="1371600" indent="0" algn="l" defTabSz="457200" rtl="0" eaLnBrk="1" latinLnBrk="0" hangingPunct="1">
+              <a:spcBef>
+                <a:spcPts val="1000"/>
+              </a:spcBef>
+              <a:spcAft>
+                <a:spcPts val="0"/>
+              </a:spcAft>
+              <a:buClr>
+                <a:schemeClr val="accent1"/>
+              </a:buClr>
+              <a:buSzPct val="80000"/>
+              <a:buFont typeface="Wingdings 3" charset="2"/>
+              <a:buNone/>
+              <a:defRPr sz="1400" kern="1200">
+                <a:solidFill>
+                  <a:schemeClr val="tx1">
+                    <a:tint val="75000"/>
+                  </a:schemeClr>
+                </a:solidFill>
+                <a:latin typeface="+mn-lt"/>
+                <a:ea typeface="+mn-ea"/>
+                <a:cs typeface="+mn-cs"/>
+              </a:defRPr>
+            </a:lvl4pPr>
+            <a:lvl5pPr marL="1828800" indent="0" algn="l" defTabSz="457200" rtl="0" eaLnBrk="1" latinLnBrk="0" hangingPunct="1">
+              <a:spcBef>
+                <a:spcPts val="1000"/>
+              </a:spcBef>
+              <a:spcAft>
+                <a:spcPts val="0"/>
+              </a:spcAft>
+              <a:buClr>
+                <a:schemeClr val="accent1"/>
+              </a:buClr>
+              <a:buSzPct val="80000"/>
+              <a:buFont typeface="Wingdings 3" charset="2"/>
+              <a:buNone/>
+              <a:defRPr sz="1400" kern="1200">
+                <a:solidFill>
+                  <a:schemeClr val="tx1">
+                    <a:tint val="75000"/>
+                  </a:schemeClr>
+                </a:solidFill>
+                <a:latin typeface="+mn-lt"/>
+                <a:ea typeface="+mn-ea"/>
+                <a:cs typeface="+mn-cs"/>
+              </a:defRPr>
+            </a:lvl5pPr>
+            <a:lvl6pPr marL="2286000" indent="0" algn="l" defTabSz="457200" rtl="0" eaLnBrk="1" latinLnBrk="0" hangingPunct="1">
+              <a:spcBef>
+                <a:spcPts val="1000"/>
+              </a:spcBef>
+              <a:spcAft>
+                <a:spcPts val="0"/>
+              </a:spcAft>
+              <a:buClr>
+                <a:schemeClr val="accent1"/>
+              </a:buClr>
+              <a:buSzPct val="80000"/>
+              <a:buFont typeface="Wingdings 3" charset="2"/>
+              <a:buNone/>
+              <a:defRPr sz="1400" kern="1200">
+                <a:solidFill>
+                  <a:schemeClr val="tx1">
+                    <a:tint val="75000"/>
+                  </a:schemeClr>
+                </a:solidFill>
+                <a:latin typeface="+mn-lt"/>
+                <a:ea typeface="+mn-ea"/>
+                <a:cs typeface="+mn-cs"/>
+              </a:defRPr>
+            </a:lvl6pPr>
+            <a:lvl7pPr marL="2743200" indent="0" algn="l" defTabSz="457200" rtl="0" eaLnBrk="1" latinLnBrk="0" hangingPunct="1">
+              <a:spcBef>
+                <a:spcPts val="1000"/>
+              </a:spcBef>
+              <a:spcAft>
+                <a:spcPts val="0"/>
+              </a:spcAft>
+              <a:buClr>
+                <a:schemeClr val="accent1"/>
+              </a:buClr>
+              <a:buSzPct val="80000"/>
+              <a:buFont typeface="Wingdings 3" charset="2"/>
+              <a:buNone/>
+              <a:defRPr sz="1400" kern="1200">
+                <a:solidFill>
+                  <a:schemeClr val="tx1">
+                    <a:tint val="75000"/>
+                  </a:schemeClr>
+                </a:solidFill>
+                <a:latin typeface="+mn-lt"/>
+                <a:ea typeface="+mn-ea"/>
+                <a:cs typeface="+mn-cs"/>
+              </a:defRPr>
+            </a:lvl7pPr>
+            <a:lvl8pPr marL="3200400" indent="0" algn="l" defTabSz="457200" rtl="0" eaLnBrk="1" latinLnBrk="0" hangingPunct="1">
+              <a:spcBef>
+                <a:spcPts val="1000"/>
+              </a:spcBef>
+              <a:spcAft>
+                <a:spcPts val="0"/>
+              </a:spcAft>
+              <a:buClr>
+                <a:schemeClr val="accent1"/>
+              </a:buClr>
+              <a:buSzPct val="80000"/>
+              <a:buFont typeface="Wingdings 3" charset="2"/>
+              <a:buNone/>
+              <a:defRPr sz="1400" kern="1200">
+                <a:solidFill>
+                  <a:schemeClr val="tx1">
+                    <a:tint val="75000"/>
+                  </a:schemeClr>
+                </a:solidFill>
+                <a:latin typeface="+mn-lt"/>
+                <a:ea typeface="+mn-ea"/>
+                <a:cs typeface="+mn-cs"/>
+              </a:defRPr>
+            </a:lvl8pPr>
+            <a:lvl9pPr marL="3657600" indent="0" algn="l" defTabSz="457200" rtl="0" eaLnBrk="1" latinLnBrk="0" hangingPunct="1">
+              <a:spcBef>
+                <a:spcPts val="1000"/>
+              </a:spcBef>
+              <a:spcAft>
+                <a:spcPts val="0"/>
+              </a:spcAft>
+              <a:buClr>
+                <a:schemeClr val="accent1"/>
+              </a:buClr>
+              <a:buSzPct val="80000"/>
+              <a:buFont typeface="Wingdings 3" charset="2"/>
+              <a:buNone/>
+              <a:defRPr sz="1400" kern="1200">
+                <a:solidFill>
+                  <a:schemeClr val="tx1">
+                    <a:tint val="75000"/>
+                  </a:schemeClr>
+                </a:solidFill>
+                <a:latin typeface="+mn-lt"/>
+                <a:ea typeface="+mn-ea"/>
+                <a:cs typeface="+mn-cs"/>
+              </a:defRPr>
+            </a:lvl9pPr>
+          </a:lstStyle>
+          <a:p>
+            <a:pPr marL="285750" indent="-285750">
+              <a:buFont typeface="Arial" panose="020B0604020202020204" pitchFamily="34" charset="0"/>
+              <a:buChar char="•"/>
+            </a:pPr>
+            <a:endParaRPr lang="es-ES" dirty="0"/>
+          </a:p>
+          <a:p>
+            <a:pPr marL="285750" indent="-285750">
+              <a:buFont typeface="Arial" panose="020B0604020202020204" pitchFamily="34" charset="0"/>
+              <a:buChar char="•"/>
+            </a:pPr>
+            <a:endParaRPr lang="es-ES" dirty="0"/>
+          </a:p>
+        </p:txBody>
+      </p:sp>
+      <p:pic>
+        <p:nvPicPr>
+          <p:cNvPr id="3074" name="Picture 2" descr="Tarjetas de Feliz Año Nuevo 2021">
+            <a:extLst>
+              <a:ext uri="{FF2B5EF4-FFF2-40B4-BE49-F238E27FC236}">
+                <a16:creationId xmlns:a16="http://schemas.microsoft.com/office/drawing/2014/main" id="{010B6E99-119E-43C6-9293-F66571ABB6F5}"/>
+              </a:ext>
+            </a:extLst>
+          </p:cNvPr>
+          <p:cNvPicPr>
+            <a:picLocks noChangeAspect="1" noChangeArrowheads="1"/>
+          </p:cNvPicPr>
+          <p:nvPr/>
+        </p:nvPicPr>
+        <p:blipFill>
+          <a:blip r:embed="rId2">
+            <a:extLst>
+              <a:ext uri="{28A0092B-C50C-407E-A947-70E740481C1C}">
+                <a14:useLocalDpi xmlns:a14="http://schemas.microsoft.com/office/drawing/2010/main" val="0"/>
+              </a:ext>
+            </a:extLst>
+          </a:blip>
+          <a:srcRect/>
+          <a:stretch>
+            <a:fillRect/>
+          </a:stretch>
+        </p:blipFill>
+        <p:spPr bwMode="auto">
+          <a:xfrm>
+            <a:off x="768001" y="1663472"/>
+            <a:ext cx="3807136" cy="3113801"/>
+          </a:xfrm>
+          <a:prstGeom prst="rect">
+            <a:avLst/>
+          </a:prstGeom>
+          <a:noFill/>
+          <a:extLst>
+            <a:ext uri="{909E8E84-426E-40DD-AFC4-6F175D3DCCD1}">
+              <a14:hiddenFill xmlns:a14="http://schemas.microsoft.com/office/drawing/2010/main">
+                <a:solidFill>
+                  <a:srgbClr val="FFFFFF"/>
+                </a:solidFill>
+              </a14:hiddenFill>
+            </a:ext>
+          </a:extLst>
+        </p:spPr>
+      </p:pic>
+      <p:pic>
+        <p:nvPicPr>
+          <p:cNvPr id="3076" name="Picture 4" descr="Cómo dar las GRACIAS con Zoho">
+            <a:extLst>
+              <a:ext uri="{FF2B5EF4-FFF2-40B4-BE49-F238E27FC236}">
+                <a16:creationId xmlns:a16="http://schemas.microsoft.com/office/drawing/2014/main" id="{993ADC7C-0E27-45A3-BDC7-CDC693164BD6}"/>
+              </a:ext>
+            </a:extLst>
+          </p:cNvPr>
+          <p:cNvPicPr>
+            <a:picLocks noChangeAspect="1" noChangeArrowheads="1"/>
+          </p:cNvPicPr>
+          <p:nvPr/>
+        </p:nvPicPr>
+        <p:blipFill>
+          <a:blip r:embed="rId3">
+            <a:extLst>
+              <a:ext uri="{28A0092B-C50C-407E-A947-70E740481C1C}">
+                <a14:useLocalDpi xmlns:a14="http://schemas.microsoft.com/office/drawing/2010/main" val="0"/>
+              </a:ext>
+            </a:extLst>
+          </a:blip>
+          <a:srcRect/>
+          <a:stretch>
+            <a:fillRect/>
+          </a:stretch>
+        </p:blipFill>
+        <p:spPr bwMode="auto">
+          <a:xfrm>
+            <a:off x="5593605" y="1282862"/>
+            <a:ext cx="3494411" cy="3494411"/>
+          </a:xfrm>
+          <a:prstGeom prst="rect">
+            <a:avLst/>
+          </a:prstGeom>
+          <a:noFill/>
+          <a:extLst>
+            <a:ext uri="{909E8E84-426E-40DD-AFC4-6F175D3DCCD1}">
+              <a14:hiddenFill xmlns:a14="http://schemas.microsoft.com/office/drawing/2010/main">
+                <a:solidFill>
+                  <a:srgbClr val="FFFFFF"/>
+                </a:solidFill>
+              </a14:hiddenFill>
+            </a:ext>
+          </a:extLst>
+        </p:spPr>
+      </p:pic>
+    </p:spTree>
+    <p:extLst>
+      <p:ext uri="{BB962C8B-B14F-4D97-AF65-F5344CB8AC3E}">
+        <p14:creationId xmlns:p14="http://schemas.microsoft.com/office/powerpoint/2010/main" val="2844522274"/>
       </p:ext>
     </p:extLst>
   </p:cSld>
